--- a/doc/logo.pptx
+++ b/doc/logo.pptx
@@ -305,7 +305,7 @@
           <a:p>
             <a:fld id="{1BA50D42-C9CD-4801-B293-61D1F53EC57E}" type="datetimeFigureOut">
               <a:rPr lang="de-DE" smtClean="0"/>
-              <a:t>02.08.2016</a:t>
+              <a:t>10.08.2016</a:t>
             </a:fld>
             <a:endParaRPr lang="de-DE"/>
           </a:p>
@@ -470,7 +470,7 @@
           <a:p>
             <a:fld id="{1BA50D42-C9CD-4801-B293-61D1F53EC57E}" type="datetimeFigureOut">
               <a:rPr lang="de-DE" smtClean="0"/>
-              <a:t>02.08.2016</a:t>
+              <a:t>10.08.2016</a:t>
             </a:fld>
             <a:endParaRPr lang="de-DE"/>
           </a:p>
@@ -645,7 +645,7 @@
           <a:p>
             <a:fld id="{1BA50D42-C9CD-4801-B293-61D1F53EC57E}" type="datetimeFigureOut">
               <a:rPr lang="de-DE" smtClean="0"/>
-              <a:t>02.08.2016</a:t>
+              <a:t>10.08.2016</a:t>
             </a:fld>
             <a:endParaRPr lang="de-DE"/>
           </a:p>
@@ -810,7 +810,7 @@
           <a:p>
             <a:fld id="{1BA50D42-C9CD-4801-B293-61D1F53EC57E}" type="datetimeFigureOut">
               <a:rPr lang="de-DE" smtClean="0"/>
-              <a:t>02.08.2016</a:t>
+              <a:t>10.08.2016</a:t>
             </a:fld>
             <a:endParaRPr lang="de-DE"/>
           </a:p>
@@ -1051,7 +1051,7 @@
           <a:p>
             <a:fld id="{1BA50D42-C9CD-4801-B293-61D1F53EC57E}" type="datetimeFigureOut">
               <a:rPr lang="de-DE" smtClean="0"/>
-              <a:t>02.08.2016</a:t>
+              <a:t>10.08.2016</a:t>
             </a:fld>
             <a:endParaRPr lang="de-DE"/>
           </a:p>
@@ -1334,7 +1334,7 @@
           <a:p>
             <a:fld id="{1BA50D42-C9CD-4801-B293-61D1F53EC57E}" type="datetimeFigureOut">
               <a:rPr lang="de-DE" smtClean="0"/>
-              <a:t>02.08.2016</a:t>
+              <a:t>10.08.2016</a:t>
             </a:fld>
             <a:endParaRPr lang="de-DE"/>
           </a:p>
@@ -1751,7 +1751,7 @@
           <a:p>
             <a:fld id="{1BA50D42-C9CD-4801-B293-61D1F53EC57E}" type="datetimeFigureOut">
               <a:rPr lang="de-DE" smtClean="0"/>
-              <a:t>02.08.2016</a:t>
+              <a:t>10.08.2016</a:t>
             </a:fld>
             <a:endParaRPr lang="de-DE"/>
           </a:p>
@@ -1864,7 +1864,7 @@
           <a:p>
             <a:fld id="{1BA50D42-C9CD-4801-B293-61D1F53EC57E}" type="datetimeFigureOut">
               <a:rPr lang="de-DE" smtClean="0"/>
-              <a:t>02.08.2016</a:t>
+              <a:t>10.08.2016</a:t>
             </a:fld>
             <a:endParaRPr lang="de-DE"/>
           </a:p>
@@ -1954,7 +1954,7 @@
           <a:p>
             <a:fld id="{1BA50D42-C9CD-4801-B293-61D1F53EC57E}" type="datetimeFigureOut">
               <a:rPr lang="de-DE" smtClean="0"/>
-              <a:t>02.08.2016</a:t>
+              <a:t>10.08.2016</a:t>
             </a:fld>
             <a:endParaRPr lang="de-DE"/>
           </a:p>
@@ -2226,7 +2226,7 @@
           <a:p>
             <a:fld id="{1BA50D42-C9CD-4801-B293-61D1F53EC57E}" type="datetimeFigureOut">
               <a:rPr lang="de-DE" smtClean="0"/>
-              <a:t>02.08.2016</a:t>
+              <a:t>10.08.2016</a:t>
             </a:fld>
             <a:endParaRPr lang="de-DE"/>
           </a:p>
@@ -2474,7 +2474,7 @@
           <a:p>
             <a:fld id="{1BA50D42-C9CD-4801-B293-61D1F53EC57E}" type="datetimeFigureOut">
               <a:rPr lang="de-DE" smtClean="0"/>
-              <a:t>02.08.2016</a:t>
+              <a:t>10.08.2016</a:t>
             </a:fld>
             <a:endParaRPr lang="de-DE"/>
           </a:p>
@@ -2682,7 +2682,7 @@
           <a:p>
             <a:fld id="{1BA50D42-C9CD-4801-B293-61D1F53EC57E}" type="datetimeFigureOut">
               <a:rPr lang="de-DE" smtClean="0"/>
-              <a:t>02.08.2016</a:t>
+              <a:t>10.08.2016</a:t>
             </a:fld>
             <a:endParaRPr lang="de-DE"/>
           </a:p>
@@ -3131,7 +3131,7 @@
             <a:avLst/>
           </a:prstGeom>
           <a:noFill/>
-          <a:ln w="76200">
+          <a:ln w="101600">
             <a:solidFill>
               <a:schemeClr val="tx1"/>
             </a:solidFill>

--- a/doc/logo.pptx
+++ b/doc/logo.pptx
@@ -5,7 +5,7 @@
     <p:sldMasterId id="2147483648" r:id="rId1"/>
   </p:sldMasterIdLst>
   <p:sldIdLst>
-    <p:sldId id="256" r:id="rId2"/>
+    <p:sldId id="258" r:id="rId2"/>
     <p:sldId id="257" r:id="rId3"/>
   </p:sldIdLst>
   <p:sldSz cx="9144000" cy="6858000" type="screen4x3"/>
@@ -3052,36 +3052,6 @@
           <a:chExt cx="0" cy="0"/>
         </a:xfrm>
       </p:grpSpPr>
-      <p:pic>
-        <p:nvPicPr>
-          <p:cNvPr id="4" name="Grafik 3"/>
-          <p:cNvPicPr>
-            <a:picLocks noChangeAspect="1"/>
-          </p:cNvPicPr>
-          <p:nvPr/>
-        </p:nvPicPr>
-        <p:blipFill rotWithShape="1">
-          <a:blip r:embed="rId2">
-            <a:biLevel thresh="75000"/>
-            <a:extLst>
-              <a:ext uri="{28A0092B-C50C-407E-A947-70E740481C1C}">
-                <a14:useLocalDpi xmlns:a14="http://schemas.microsoft.com/office/drawing/2010/main" val="0"/>
-              </a:ext>
-            </a:extLst>
-          </a:blip>
-          <a:srcRect l="19950" t="27299" r="21251" b="31751"/>
-          <a:stretch/>
-        </p:blipFill>
-        <p:spPr>
-          <a:xfrm>
-            <a:off x="2627784" y="2204864"/>
-            <a:ext cx="4032448" cy="2808312"/>
-          </a:xfrm>
-          <a:prstGeom prst="rect">
-            <a:avLst/>
-          </a:prstGeom>
-        </p:spPr>
-      </p:pic>
       <p:sp>
         <p:nvSpPr>
           <p:cNvPr id="5" name="Textfeld 4"/>
@@ -3162,10 +3132,383 @@
           </a:p>
         </p:txBody>
       </p:sp>
+      <p:sp>
+        <p:nvSpPr>
+          <p:cNvPr id="2" name="Ellipse 1"/>
+          <p:cNvSpPr/>
+          <p:nvPr/>
+        </p:nvSpPr>
+        <p:spPr>
+          <a:xfrm>
+            <a:off x="2761640" y="2991872"/>
+            <a:ext cx="288032" cy="288032"/>
+          </a:xfrm>
+          <a:prstGeom prst="ellipse">
+            <a:avLst/>
+          </a:prstGeom>
+          <a:solidFill>
+            <a:schemeClr val="tx1"/>
+          </a:solidFill>
+          <a:ln>
+            <a:noFill/>
+          </a:ln>
+        </p:spPr>
+        <p:style>
+          <a:lnRef idx="2">
+            <a:schemeClr val="accent1">
+              <a:shade val="50000"/>
+            </a:schemeClr>
+          </a:lnRef>
+          <a:fillRef idx="1">
+            <a:schemeClr val="accent1"/>
+          </a:fillRef>
+          <a:effectRef idx="0">
+            <a:schemeClr val="accent1"/>
+          </a:effectRef>
+          <a:fontRef idx="minor">
+            <a:schemeClr val="lt1"/>
+          </a:fontRef>
+        </p:style>
+        <p:txBody>
+          <a:bodyPr rtlCol="0" anchor="ctr"/>
+          <a:lstStyle/>
+          <a:p>
+            <a:pPr algn="ctr"/>
+            <a:endParaRPr lang="de-DE"/>
+          </a:p>
+        </p:txBody>
+      </p:sp>
+      <p:sp>
+        <p:nvSpPr>
+          <p:cNvPr id="7" name="Ellipse 6"/>
+          <p:cNvSpPr/>
+          <p:nvPr/>
+        </p:nvSpPr>
+        <p:spPr>
+          <a:xfrm>
+            <a:off x="6268824" y="2991872"/>
+            <a:ext cx="288032" cy="288032"/>
+          </a:xfrm>
+          <a:prstGeom prst="ellipse">
+            <a:avLst/>
+          </a:prstGeom>
+          <a:solidFill>
+            <a:schemeClr val="tx1"/>
+          </a:solidFill>
+          <a:ln>
+            <a:noFill/>
+          </a:ln>
+        </p:spPr>
+        <p:style>
+          <a:lnRef idx="2">
+            <a:schemeClr val="accent1">
+              <a:shade val="50000"/>
+            </a:schemeClr>
+          </a:lnRef>
+          <a:fillRef idx="1">
+            <a:schemeClr val="accent1"/>
+          </a:fillRef>
+          <a:effectRef idx="0">
+            <a:schemeClr val="accent1"/>
+          </a:effectRef>
+          <a:fontRef idx="minor">
+            <a:schemeClr val="lt1"/>
+          </a:fontRef>
+        </p:style>
+        <p:txBody>
+          <a:bodyPr rtlCol="0" anchor="ctr"/>
+          <a:lstStyle/>
+          <a:p>
+            <a:pPr algn="ctr"/>
+            <a:endParaRPr lang="de-DE"/>
+          </a:p>
+        </p:txBody>
+      </p:sp>
+      <p:cxnSp>
+        <p:nvCxnSpPr>
+          <p:cNvPr id="8" name="Gerader Verbinder 7"/>
+          <p:cNvCxnSpPr/>
+          <p:nvPr/>
+        </p:nvCxnSpPr>
+        <p:spPr>
+          <a:xfrm>
+            <a:off x="2958232" y="3137416"/>
+            <a:ext cx="370200" cy="0"/>
+          </a:xfrm>
+          <a:prstGeom prst="line">
+            <a:avLst/>
+          </a:prstGeom>
+          <a:ln w="139700">
+            <a:solidFill>
+              <a:schemeClr val="tx1"/>
+            </a:solidFill>
+          </a:ln>
+        </p:spPr>
+        <p:style>
+          <a:lnRef idx="1">
+            <a:schemeClr val="accent1"/>
+          </a:lnRef>
+          <a:fillRef idx="0">
+            <a:schemeClr val="accent1"/>
+          </a:fillRef>
+          <a:effectRef idx="0">
+            <a:schemeClr val="accent1"/>
+          </a:effectRef>
+          <a:fontRef idx="minor">
+            <a:schemeClr val="tx1"/>
+          </a:fontRef>
+        </p:style>
+      </p:cxnSp>
+      <p:cxnSp>
+        <p:nvCxnSpPr>
+          <p:cNvPr id="10" name="Gerader Verbinder 9"/>
+          <p:cNvCxnSpPr/>
+          <p:nvPr/>
+        </p:nvCxnSpPr>
+        <p:spPr>
+          <a:xfrm>
+            <a:off x="6036816" y="3137416"/>
+            <a:ext cx="370200" cy="0"/>
+          </a:xfrm>
+          <a:prstGeom prst="line">
+            <a:avLst/>
+          </a:prstGeom>
+          <a:ln w="139700">
+            <a:solidFill>
+              <a:schemeClr val="tx1"/>
+            </a:solidFill>
+          </a:ln>
+        </p:spPr>
+        <p:style>
+          <a:lnRef idx="1">
+            <a:schemeClr val="accent1"/>
+          </a:lnRef>
+          <a:fillRef idx="0">
+            <a:schemeClr val="accent1"/>
+          </a:fillRef>
+          <a:effectRef idx="0">
+            <a:schemeClr val="accent1"/>
+          </a:effectRef>
+          <a:fontRef idx="minor">
+            <a:schemeClr val="tx1"/>
+          </a:fontRef>
+        </p:style>
+      </p:cxnSp>
+      <p:cxnSp>
+        <p:nvCxnSpPr>
+          <p:cNvPr id="13" name="Gerader Verbinder 12"/>
+          <p:cNvCxnSpPr/>
+          <p:nvPr/>
+        </p:nvCxnSpPr>
+        <p:spPr>
+          <a:xfrm>
+            <a:off x="3995936" y="3948296"/>
+            <a:ext cx="1368152" cy="0"/>
+          </a:xfrm>
+          <a:prstGeom prst="line">
+            <a:avLst/>
+          </a:prstGeom>
+          <a:ln w="139700">
+            <a:solidFill>
+              <a:schemeClr val="tx1"/>
+            </a:solidFill>
+          </a:ln>
+        </p:spPr>
+        <p:style>
+          <a:lnRef idx="1">
+            <a:schemeClr val="accent1"/>
+          </a:lnRef>
+          <a:fillRef idx="0">
+            <a:schemeClr val="accent1"/>
+          </a:fillRef>
+          <a:effectRef idx="0">
+            <a:schemeClr val="accent1"/>
+          </a:effectRef>
+          <a:fontRef idx="minor">
+            <a:schemeClr val="tx1"/>
+          </a:fontRef>
+        </p:style>
+      </p:cxnSp>
+      <p:cxnSp>
+        <p:nvCxnSpPr>
+          <p:cNvPr id="15" name="Gerader Verbinder 14"/>
+          <p:cNvCxnSpPr/>
+          <p:nvPr/>
+        </p:nvCxnSpPr>
+        <p:spPr>
+          <a:xfrm>
+            <a:off x="4211960" y="4149080"/>
+            <a:ext cx="936104" cy="0"/>
+          </a:xfrm>
+          <a:prstGeom prst="line">
+            <a:avLst/>
+          </a:prstGeom>
+          <a:ln w="139700">
+            <a:solidFill>
+              <a:schemeClr val="tx1"/>
+            </a:solidFill>
+          </a:ln>
+        </p:spPr>
+        <p:style>
+          <a:lnRef idx="1">
+            <a:schemeClr val="accent1"/>
+          </a:lnRef>
+          <a:fillRef idx="0">
+            <a:schemeClr val="accent1"/>
+          </a:fillRef>
+          <a:effectRef idx="0">
+            <a:schemeClr val="accent1"/>
+          </a:effectRef>
+          <a:fontRef idx="minor">
+            <a:schemeClr val="tx1"/>
+          </a:fontRef>
+        </p:style>
+      </p:cxnSp>
+      <p:sp>
+        <p:nvSpPr>
+          <p:cNvPr id="3" name="Auf der gleichen Seite des Rechtecks liegende Ecken abrunden 2"/>
+          <p:cNvSpPr/>
+          <p:nvPr/>
+        </p:nvSpPr>
+        <p:spPr>
+          <a:xfrm>
+            <a:off x="3419872" y="2292112"/>
+            <a:ext cx="2520280" cy="1512168"/>
+          </a:xfrm>
+          <a:prstGeom prst="round2SameRect">
+            <a:avLst>
+              <a:gd name="adj1" fmla="val 31784"/>
+              <a:gd name="adj2" fmla="val 0"/>
+            </a:avLst>
+          </a:prstGeom>
+          <a:solidFill>
+            <a:schemeClr val="tx1"/>
+          </a:solidFill>
+          <a:ln>
+            <a:noFill/>
+          </a:ln>
+        </p:spPr>
+        <p:style>
+          <a:lnRef idx="2">
+            <a:schemeClr val="accent1">
+              <a:shade val="50000"/>
+            </a:schemeClr>
+          </a:lnRef>
+          <a:fillRef idx="1">
+            <a:schemeClr val="accent1"/>
+          </a:fillRef>
+          <a:effectRef idx="0">
+            <a:schemeClr val="accent1"/>
+          </a:effectRef>
+          <a:fontRef idx="minor">
+            <a:schemeClr val="lt1"/>
+          </a:fontRef>
+        </p:style>
+        <p:txBody>
+          <a:bodyPr rtlCol="0" anchor="ctr"/>
+          <a:lstStyle/>
+          <a:p>
+            <a:pPr algn="ctr"/>
+            <a:endParaRPr lang="de-DE"/>
+          </a:p>
+        </p:txBody>
+      </p:sp>
+      <p:sp>
+        <p:nvSpPr>
+          <p:cNvPr id="9" name="Ellipse 8"/>
+          <p:cNvSpPr/>
+          <p:nvPr/>
+        </p:nvSpPr>
+        <p:spPr>
+          <a:xfrm>
+            <a:off x="3765168" y="2914783"/>
+            <a:ext cx="648000" cy="648000"/>
+          </a:xfrm>
+          <a:prstGeom prst="ellipse">
+            <a:avLst/>
+          </a:prstGeom>
+          <a:solidFill>
+            <a:schemeClr val="bg1"/>
+          </a:solidFill>
+          <a:ln>
+            <a:noFill/>
+          </a:ln>
+        </p:spPr>
+        <p:style>
+          <a:lnRef idx="2">
+            <a:schemeClr val="accent1">
+              <a:shade val="50000"/>
+            </a:schemeClr>
+          </a:lnRef>
+          <a:fillRef idx="1">
+            <a:schemeClr val="accent1"/>
+          </a:fillRef>
+          <a:effectRef idx="0">
+            <a:schemeClr val="accent1"/>
+          </a:effectRef>
+          <a:fontRef idx="minor">
+            <a:schemeClr val="lt1"/>
+          </a:fontRef>
+        </p:style>
+        <p:txBody>
+          <a:bodyPr rtlCol="0" anchor="ctr"/>
+          <a:lstStyle/>
+          <a:p>
+            <a:pPr algn="ctr"/>
+            <a:endParaRPr lang="de-DE"/>
+          </a:p>
+        </p:txBody>
+      </p:sp>
+      <p:sp>
+        <p:nvSpPr>
+          <p:cNvPr id="14" name="Ellipse 13"/>
+          <p:cNvSpPr/>
+          <p:nvPr/>
+        </p:nvSpPr>
+        <p:spPr>
+          <a:xfrm>
+            <a:off x="4948240" y="2914783"/>
+            <a:ext cx="648000" cy="648000"/>
+          </a:xfrm>
+          <a:prstGeom prst="ellipse">
+            <a:avLst/>
+          </a:prstGeom>
+          <a:solidFill>
+            <a:schemeClr val="bg1"/>
+          </a:solidFill>
+          <a:ln>
+            <a:noFill/>
+          </a:ln>
+        </p:spPr>
+        <p:style>
+          <a:lnRef idx="2">
+            <a:schemeClr val="accent1">
+              <a:shade val="50000"/>
+            </a:schemeClr>
+          </a:lnRef>
+          <a:fillRef idx="1">
+            <a:schemeClr val="accent1"/>
+          </a:fillRef>
+          <a:effectRef idx="0">
+            <a:schemeClr val="accent1"/>
+          </a:effectRef>
+          <a:fontRef idx="minor">
+            <a:schemeClr val="lt1"/>
+          </a:fontRef>
+        </p:style>
+        <p:txBody>
+          <a:bodyPr rtlCol="0" anchor="ctr"/>
+          <a:lstStyle/>
+          <a:p>
+            <a:pPr algn="ctr"/>
+            <a:endParaRPr lang="de-DE"/>
+          </a:p>
+        </p:txBody>
+      </p:sp>
     </p:spTree>
     <p:extLst>
       <p:ext uri="{BB962C8B-B14F-4D97-AF65-F5344CB8AC3E}">
-        <p14:creationId xmlns:p14="http://schemas.microsoft.com/office/powerpoint/2010/main" val="551483591"/>
+        <p14:creationId xmlns:p14="http://schemas.microsoft.com/office/powerpoint/2010/main" val="1665926672"/>
       </p:ext>
     </p:extLst>
   </p:cSld>

--- a/doc/logo.pptx
+++ b/doc/logo.pptx
@@ -3052,459 +3052,474 @@
           <a:chExt cx="0" cy="0"/>
         </a:xfrm>
       </p:grpSpPr>
-      <p:sp>
-        <p:nvSpPr>
-          <p:cNvPr id="5" name="Textfeld 4"/>
-          <p:cNvSpPr txBox="1"/>
+      <p:grpSp>
+        <p:nvGrpSpPr>
+          <p:cNvPr id="11" name="Gruppieren 10"/>
+          <p:cNvGrpSpPr/>
           <p:nvPr/>
-        </p:nvSpPr>
-        <p:spPr>
-          <a:xfrm>
-            <a:off x="3347864" y="4325170"/>
-            <a:ext cx="2717732" cy="769441"/>
-          </a:xfrm>
-          <a:prstGeom prst="rect">
-            <a:avLst/>
-          </a:prstGeom>
-          <a:noFill/>
-        </p:spPr>
-        <p:txBody>
-          <a:bodyPr wrap="none" rtlCol="0">
-            <a:spAutoFit/>
-          </a:bodyPr>
-          <a:lstStyle/>
-          <a:p>
-            <a:r>
-              <a:rPr lang="de-DE" sz="4400" dirty="0" smtClean="0">
-                <a:latin typeface="Arial Rounded MT Bold" panose="020F0704030504030204" pitchFamily="34" charset="0"/>
-              </a:rPr>
-              <a:t>BAD BOT</a:t>
-            </a:r>
-            <a:endParaRPr lang="de-DE" sz="4400" dirty="0">
-              <a:latin typeface="Arial Rounded MT Bold" panose="020F0704030504030204" pitchFamily="34" charset="0"/>
-            </a:endParaRPr>
-          </a:p>
-        </p:txBody>
-      </p:sp>
-      <p:sp>
-        <p:nvSpPr>
-          <p:cNvPr id="6" name="Ellipse 5"/>
-          <p:cNvSpPr/>
-          <p:nvPr/>
-        </p:nvSpPr>
-        <p:spPr>
+        </p:nvGrpSpPr>
+        <p:grpSpPr>
           <a:xfrm>
             <a:off x="2483768" y="1340768"/>
             <a:ext cx="4320480" cy="4248472"/>
+            <a:chOff x="2483768" y="1340768"/>
+            <a:chExt cx="4320480" cy="4248472"/>
           </a:xfrm>
-          <a:prstGeom prst="ellipse">
-            <a:avLst/>
-          </a:prstGeom>
-          <a:noFill/>
-          <a:ln w="101600">
+        </p:grpSpPr>
+        <p:sp>
+          <p:nvSpPr>
+            <p:cNvPr id="5" name="Textfeld 4"/>
+            <p:cNvSpPr txBox="1"/>
+            <p:nvPr/>
+          </p:nvSpPr>
+          <p:spPr>
+            <a:xfrm>
+              <a:off x="3347864" y="4325170"/>
+              <a:ext cx="2717732" cy="769441"/>
+            </a:xfrm>
+            <a:prstGeom prst="rect">
+              <a:avLst/>
+            </a:prstGeom>
+            <a:noFill/>
+          </p:spPr>
+          <p:txBody>
+            <a:bodyPr wrap="none" rtlCol="0">
+              <a:spAutoFit/>
+            </a:bodyPr>
+            <a:lstStyle/>
+            <a:p>
+              <a:r>
+                <a:rPr lang="de-DE" sz="4400" dirty="0" smtClean="0">
+                  <a:latin typeface="Arial Rounded MT Bold" panose="020F0704030504030204" pitchFamily="34" charset="0"/>
+                </a:rPr>
+                <a:t>BAD BOT</a:t>
+              </a:r>
+              <a:endParaRPr lang="de-DE" sz="4400" dirty="0">
+                <a:latin typeface="Arial Rounded MT Bold" panose="020F0704030504030204" pitchFamily="34" charset="0"/>
+              </a:endParaRPr>
+            </a:p>
+          </p:txBody>
+        </p:sp>
+        <p:sp>
+          <p:nvSpPr>
+            <p:cNvPr id="6" name="Ellipse 5"/>
+            <p:cNvSpPr/>
+            <p:nvPr/>
+          </p:nvSpPr>
+          <p:spPr>
+            <a:xfrm>
+              <a:off x="2483768" y="1340768"/>
+              <a:ext cx="4320480" cy="4248472"/>
+            </a:xfrm>
+            <a:prstGeom prst="ellipse">
+              <a:avLst/>
+            </a:prstGeom>
+            <a:noFill/>
+            <a:ln w="101600">
+              <a:solidFill>
+                <a:schemeClr val="tx1"/>
+              </a:solidFill>
+            </a:ln>
+          </p:spPr>
+          <p:style>
+            <a:lnRef idx="2">
+              <a:schemeClr val="accent1">
+                <a:shade val="50000"/>
+              </a:schemeClr>
+            </a:lnRef>
+            <a:fillRef idx="1">
+              <a:schemeClr val="accent1"/>
+            </a:fillRef>
+            <a:effectRef idx="0">
+              <a:schemeClr val="accent1"/>
+            </a:effectRef>
+            <a:fontRef idx="minor">
+              <a:schemeClr val="lt1"/>
+            </a:fontRef>
+          </p:style>
+          <p:txBody>
+            <a:bodyPr rtlCol="0" anchor="ctr"/>
+            <a:lstStyle/>
+            <a:p>
+              <a:pPr algn="ctr"/>
+              <a:endParaRPr lang="de-DE"/>
+            </a:p>
+          </p:txBody>
+        </p:sp>
+        <p:sp>
+          <p:nvSpPr>
+            <p:cNvPr id="2" name="Ellipse 1"/>
+            <p:cNvSpPr/>
+            <p:nvPr/>
+          </p:nvSpPr>
+          <p:spPr>
+            <a:xfrm>
+              <a:off x="2761640" y="2991872"/>
+              <a:ext cx="288032" cy="288032"/>
+            </a:xfrm>
+            <a:prstGeom prst="ellipse">
+              <a:avLst/>
+            </a:prstGeom>
             <a:solidFill>
               <a:schemeClr val="tx1"/>
             </a:solidFill>
-          </a:ln>
-        </p:spPr>
-        <p:style>
-          <a:lnRef idx="2">
-            <a:schemeClr val="accent1">
-              <a:shade val="50000"/>
-            </a:schemeClr>
-          </a:lnRef>
-          <a:fillRef idx="1">
-            <a:schemeClr val="accent1"/>
-          </a:fillRef>
-          <a:effectRef idx="0">
-            <a:schemeClr val="accent1"/>
-          </a:effectRef>
-          <a:fontRef idx="minor">
-            <a:schemeClr val="lt1"/>
-          </a:fontRef>
-        </p:style>
-        <p:txBody>
-          <a:bodyPr rtlCol="0" anchor="ctr"/>
-          <a:lstStyle/>
-          <a:p>
-            <a:pPr algn="ctr"/>
-            <a:endParaRPr lang="de-DE"/>
-          </a:p>
-        </p:txBody>
-      </p:sp>
-      <p:sp>
-        <p:nvSpPr>
-          <p:cNvPr id="2" name="Ellipse 1"/>
-          <p:cNvSpPr/>
-          <p:nvPr/>
-        </p:nvSpPr>
-        <p:spPr>
-          <a:xfrm>
-            <a:off x="2761640" y="2991872"/>
-            <a:ext cx="288032" cy="288032"/>
-          </a:xfrm>
-          <a:prstGeom prst="ellipse">
-            <a:avLst/>
-          </a:prstGeom>
-          <a:solidFill>
-            <a:schemeClr val="tx1"/>
-          </a:solidFill>
-          <a:ln>
-            <a:noFill/>
-          </a:ln>
-        </p:spPr>
-        <p:style>
-          <a:lnRef idx="2">
-            <a:schemeClr val="accent1">
-              <a:shade val="50000"/>
-            </a:schemeClr>
-          </a:lnRef>
-          <a:fillRef idx="1">
-            <a:schemeClr val="accent1"/>
-          </a:fillRef>
-          <a:effectRef idx="0">
-            <a:schemeClr val="accent1"/>
-          </a:effectRef>
-          <a:fontRef idx="minor">
-            <a:schemeClr val="lt1"/>
-          </a:fontRef>
-        </p:style>
-        <p:txBody>
-          <a:bodyPr rtlCol="0" anchor="ctr"/>
-          <a:lstStyle/>
-          <a:p>
-            <a:pPr algn="ctr"/>
-            <a:endParaRPr lang="de-DE"/>
-          </a:p>
-        </p:txBody>
-      </p:sp>
-      <p:sp>
-        <p:nvSpPr>
-          <p:cNvPr id="7" name="Ellipse 6"/>
-          <p:cNvSpPr/>
-          <p:nvPr/>
-        </p:nvSpPr>
-        <p:spPr>
-          <a:xfrm>
-            <a:off x="6268824" y="2991872"/>
-            <a:ext cx="288032" cy="288032"/>
-          </a:xfrm>
-          <a:prstGeom prst="ellipse">
-            <a:avLst/>
-          </a:prstGeom>
-          <a:solidFill>
-            <a:schemeClr val="tx1"/>
-          </a:solidFill>
-          <a:ln>
-            <a:noFill/>
-          </a:ln>
-        </p:spPr>
-        <p:style>
-          <a:lnRef idx="2">
-            <a:schemeClr val="accent1">
-              <a:shade val="50000"/>
-            </a:schemeClr>
-          </a:lnRef>
-          <a:fillRef idx="1">
-            <a:schemeClr val="accent1"/>
-          </a:fillRef>
-          <a:effectRef idx="0">
-            <a:schemeClr val="accent1"/>
-          </a:effectRef>
-          <a:fontRef idx="minor">
-            <a:schemeClr val="lt1"/>
-          </a:fontRef>
-        </p:style>
-        <p:txBody>
-          <a:bodyPr rtlCol="0" anchor="ctr"/>
-          <a:lstStyle/>
-          <a:p>
-            <a:pPr algn="ctr"/>
-            <a:endParaRPr lang="de-DE"/>
-          </a:p>
-        </p:txBody>
-      </p:sp>
-      <p:cxnSp>
-        <p:nvCxnSpPr>
-          <p:cNvPr id="8" name="Gerader Verbinder 7"/>
-          <p:cNvCxnSpPr/>
-          <p:nvPr/>
-        </p:nvCxnSpPr>
-        <p:spPr>
-          <a:xfrm>
-            <a:off x="2958232" y="3137416"/>
-            <a:ext cx="370200" cy="0"/>
-          </a:xfrm>
-          <a:prstGeom prst="line">
-            <a:avLst/>
-          </a:prstGeom>
-          <a:ln w="139700">
+            <a:ln>
+              <a:noFill/>
+            </a:ln>
+          </p:spPr>
+          <p:style>
+            <a:lnRef idx="2">
+              <a:schemeClr val="accent1">
+                <a:shade val="50000"/>
+              </a:schemeClr>
+            </a:lnRef>
+            <a:fillRef idx="1">
+              <a:schemeClr val="accent1"/>
+            </a:fillRef>
+            <a:effectRef idx="0">
+              <a:schemeClr val="accent1"/>
+            </a:effectRef>
+            <a:fontRef idx="minor">
+              <a:schemeClr val="lt1"/>
+            </a:fontRef>
+          </p:style>
+          <p:txBody>
+            <a:bodyPr rtlCol="0" anchor="ctr"/>
+            <a:lstStyle/>
+            <a:p>
+              <a:pPr algn="ctr"/>
+              <a:endParaRPr lang="de-DE"/>
+            </a:p>
+          </p:txBody>
+        </p:sp>
+        <p:sp>
+          <p:nvSpPr>
+            <p:cNvPr id="7" name="Ellipse 6"/>
+            <p:cNvSpPr/>
+            <p:nvPr/>
+          </p:nvSpPr>
+          <p:spPr>
+            <a:xfrm>
+              <a:off x="6268824" y="2991872"/>
+              <a:ext cx="288032" cy="288032"/>
+            </a:xfrm>
+            <a:prstGeom prst="ellipse">
+              <a:avLst/>
+            </a:prstGeom>
             <a:solidFill>
               <a:schemeClr val="tx1"/>
             </a:solidFill>
-          </a:ln>
-        </p:spPr>
-        <p:style>
-          <a:lnRef idx="1">
-            <a:schemeClr val="accent1"/>
-          </a:lnRef>
-          <a:fillRef idx="0">
-            <a:schemeClr val="accent1"/>
-          </a:fillRef>
-          <a:effectRef idx="0">
-            <a:schemeClr val="accent1"/>
-          </a:effectRef>
-          <a:fontRef idx="minor">
-            <a:schemeClr val="tx1"/>
-          </a:fontRef>
-        </p:style>
-      </p:cxnSp>
-      <p:cxnSp>
-        <p:nvCxnSpPr>
-          <p:cNvPr id="10" name="Gerader Verbinder 9"/>
-          <p:cNvCxnSpPr/>
-          <p:nvPr/>
-        </p:nvCxnSpPr>
-        <p:spPr>
-          <a:xfrm>
-            <a:off x="6036816" y="3137416"/>
-            <a:ext cx="370200" cy="0"/>
-          </a:xfrm>
-          <a:prstGeom prst="line">
-            <a:avLst/>
-          </a:prstGeom>
-          <a:ln w="139700">
+            <a:ln>
+              <a:noFill/>
+            </a:ln>
+          </p:spPr>
+          <p:style>
+            <a:lnRef idx="2">
+              <a:schemeClr val="accent1">
+                <a:shade val="50000"/>
+              </a:schemeClr>
+            </a:lnRef>
+            <a:fillRef idx="1">
+              <a:schemeClr val="accent1"/>
+            </a:fillRef>
+            <a:effectRef idx="0">
+              <a:schemeClr val="accent1"/>
+            </a:effectRef>
+            <a:fontRef idx="minor">
+              <a:schemeClr val="lt1"/>
+            </a:fontRef>
+          </p:style>
+          <p:txBody>
+            <a:bodyPr rtlCol="0" anchor="ctr"/>
+            <a:lstStyle/>
+            <a:p>
+              <a:pPr algn="ctr"/>
+              <a:endParaRPr lang="de-DE"/>
+            </a:p>
+          </p:txBody>
+        </p:sp>
+        <p:cxnSp>
+          <p:nvCxnSpPr>
+            <p:cNvPr id="8" name="Gerader Verbinder 7"/>
+            <p:cNvCxnSpPr/>
+            <p:nvPr/>
+          </p:nvCxnSpPr>
+          <p:spPr>
+            <a:xfrm>
+              <a:off x="2958232" y="3137416"/>
+              <a:ext cx="370200" cy="0"/>
+            </a:xfrm>
+            <a:prstGeom prst="line">
+              <a:avLst/>
+            </a:prstGeom>
+            <a:ln w="139700">
+              <a:solidFill>
+                <a:schemeClr val="tx1"/>
+              </a:solidFill>
+            </a:ln>
+          </p:spPr>
+          <p:style>
+            <a:lnRef idx="1">
+              <a:schemeClr val="accent1"/>
+            </a:lnRef>
+            <a:fillRef idx="0">
+              <a:schemeClr val="accent1"/>
+            </a:fillRef>
+            <a:effectRef idx="0">
+              <a:schemeClr val="accent1"/>
+            </a:effectRef>
+            <a:fontRef idx="minor">
+              <a:schemeClr val="tx1"/>
+            </a:fontRef>
+          </p:style>
+        </p:cxnSp>
+        <p:cxnSp>
+          <p:nvCxnSpPr>
+            <p:cNvPr id="10" name="Gerader Verbinder 9"/>
+            <p:cNvCxnSpPr/>
+            <p:nvPr/>
+          </p:nvCxnSpPr>
+          <p:spPr>
+            <a:xfrm>
+              <a:off x="6036816" y="3137416"/>
+              <a:ext cx="370200" cy="0"/>
+            </a:xfrm>
+            <a:prstGeom prst="line">
+              <a:avLst/>
+            </a:prstGeom>
+            <a:ln w="139700">
+              <a:solidFill>
+                <a:schemeClr val="tx1"/>
+              </a:solidFill>
+            </a:ln>
+          </p:spPr>
+          <p:style>
+            <a:lnRef idx="1">
+              <a:schemeClr val="accent1"/>
+            </a:lnRef>
+            <a:fillRef idx="0">
+              <a:schemeClr val="accent1"/>
+            </a:fillRef>
+            <a:effectRef idx="0">
+              <a:schemeClr val="accent1"/>
+            </a:effectRef>
+            <a:fontRef idx="minor">
+              <a:schemeClr val="tx1"/>
+            </a:fontRef>
+          </p:style>
+        </p:cxnSp>
+        <p:cxnSp>
+          <p:nvCxnSpPr>
+            <p:cNvPr id="13" name="Gerader Verbinder 12"/>
+            <p:cNvCxnSpPr/>
+            <p:nvPr/>
+          </p:nvCxnSpPr>
+          <p:spPr>
+            <a:xfrm>
+              <a:off x="3995936" y="3948296"/>
+              <a:ext cx="1368152" cy="0"/>
+            </a:xfrm>
+            <a:prstGeom prst="line">
+              <a:avLst/>
+            </a:prstGeom>
+            <a:ln w="139700">
+              <a:solidFill>
+                <a:schemeClr val="tx1"/>
+              </a:solidFill>
+            </a:ln>
+          </p:spPr>
+          <p:style>
+            <a:lnRef idx="1">
+              <a:schemeClr val="accent1"/>
+            </a:lnRef>
+            <a:fillRef idx="0">
+              <a:schemeClr val="accent1"/>
+            </a:fillRef>
+            <a:effectRef idx="0">
+              <a:schemeClr val="accent1"/>
+            </a:effectRef>
+            <a:fontRef idx="minor">
+              <a:schemeClr val="tx1"/>
+            </a:fontRef>
+          </p:style>
+        </p:cxnSp>
+        <p:cxnSp>
+          <p:nvCxnSpPr>
+            <p:cNvPr id="15" name="Gerader Verbinder 14"/>
+            <p:cNvCxnSpPr/>
+            <p:nvPr/>
+          </p:nvCxnSpPr>
+          <p:spPr>
+            <a:xfrm>
+              <a:off x="4211960" y="4149080"/>
+              <a:ext cx="936104" cy="0"/>
+            </a:xfrm>
+            <a:prstGeom prst="line">
+              <a:avLst/>
+            </a:prstGeom>
+            <a:ln w="139700">
+              <a:solidFill>
+                <a:schemeClr val="tx1"/>
+              </a:solidFill>
+            </a:ln>
+          </p:spPr>
+          <p:style>
+            <a:lnRef idx="1">
+              <a:schemeClr val="accent1"/>
+            </a:lnRef>
+            <a:fillRef idx="0">
+              <a:schemeClr val="accent1"/>
+            </a:fillRef>
+            <a:effectRef idx="0">
+              <a:schemeClr val="accent1"/>
+            </a:effectRef>
+            <a:fontRef idx="minor">
+              <a:schemeClr val="tx1"/>
+            </a:fontRef>
+          </p:style>
+        </p:cxnSp>
+        <p:sp>
+          <p:nvSpPr>
+            <p:cNvPr id="3" name="Auf der gleichen Seite des Rechtecks liegende Ecken abrunden 2"/>
+            <p:cNvSpPr/>
+            <p:nvPr/>
+          </p:nvSpPr>
+          <p:spPr>
+            <a:xfrm>
+              <a:off x="3419872" y="2292112"/>
+              <a:ext cx="2520280" cy="1512168"/>
+            </a:xfrm>
+            <a:prstGeom prst="round2SameRect">
+              <a:avLst>
+                <a:gd name="adj1" fmla="val 31784"/>
+                <a:gd name="adj2" fmla="val 0"/>
+              </a:avLst>
+            </a:prstGeom>
             <a:solidFill>
               <a:schemeClr val="tx1"/>
             </a:solidFill>
-          </a:ln>
-        </p:spPr>
-        <p:style>
-          <a:lnRef idx="1">
-            <a:schemeClr val="accent1"/>
-          </a:lnRef>
-          <a:fillRef idx="0">
-            <a:schemeClr val="accent1"/>
-          </a:fillRef>
-          <a:effectRef idx="0">
-            <a:schemeClr val="accent1"/>
-          </a:effectRef>
-          <a:fontRef idx="minor">
-            <a:schemeClr val="tx1"/>
-          </a:fontRef>
-        </p:style>
-      </p:cxnSp>
-      <p:cxnSp>
-        <p:nvCxnSpPr>
-          <p:cNvPr id="13" name="Gerader Verbinder 12"/>
-          <p:cNvCxnSpPr/>
-          <p:nvPr/>
-        </p:nvCxnSpPr>
-        <p:spPr>
-          <a:xfrm>
-            <a:off x="3995936" y="3948296"/>
-            <a:ext cx="1368152" cy="0"/>
-          </a:xfrm>
-          <a:prstGeom prst="line">
-            <a:avLst/>
-          </a:prstGeom>
-          <a:ln w="139700">
+            <a:ln>
+              <a:noFill/>
+            </a:ln>
+          </p:spPr>
+          <p:style>
+            <a:lnRef idx="2">
+              <a:schemeClr val="accent1">
+                <a:shade val="50000"/>
+              </a:schemeClr>
+            </a:lnRef>
+            <a:fillRef idx="1">
+              <a:schemeClr val="accent1"/>
+            </a:fillRef>
+            <a:effectRef idx="0">
+              <a:schemeClr val="accent1"/>
+            </a:effectRef>
+            <a:fontRef idx="minor">
+              <a:schemeClr val="lt1"/>
+            </a:fontRef>
+          </p:style>
+          <p:txBody>
+            <a:bodyPr rtlCol="0" anchor="ctr"/>
+            <a:lstStyle/>
+            <a:p>
+              <a:pPr algn="ctr"/>
+              <a:endParaRPr lang="de-DE"/>
+            </a:p>
+          </p:txBody>
+        </p:sp>
+        <p:sp>
+          <p:nvSpPr>
+            <p:cNvPr id="9" name="Ellipse 8"/>
+            <p:cNvSpPr/>
+            <p:nvPr/>
+          </p:nvSpPr>
+          <p:spPr>
+            <a:xfrm>
+              <a:off x="3765168" y="2914783"/>
+              <a:ext cx="648000" cy="648000"/>
+            </a:xfrm>
+            <a:prstGeom prst="ellipse">
+              <a:avLst/>
+            </a:prstGeom>
             <a:solidFill>
-              <a:schemeClr val="tx1"/>
+              <a:schemeClr val="bg1"/>
             </a:solidFill>
-          </a:ln>
-        </p:spPr>
-        <p:style>
-          <a:lnRef idx="1">
-            <a:schemeClr val="accent1"/>
-          </a:lnRef>
-          <a:fillRef idx="0">
-            <a:schemeClr val="accent1"/>
-          </a:fillRef>
-          <a:effectRef idx="0">
-            <a:schemeClr val="accent1"/>
-          </a:effectRef>
-          <a:fontRef idx="minor">
-            <a:schemeClr val="tx1"/>
-          </a:fontRef>
-        </p:style>
-      </p:cxnSp>
-      <p:cxnSp>
-        <p:nvCxnSpPr>
-          <p:cNvPr id="15" name="Gerader Verbinder 14"/>
-          <p:cNvCxnSpPr/>
-          <p:nvPr/>
-        </p:nvCxnSpPr>
-        <p:spPr>
-          <a:xfrm>
-            <a:off x="4211960" y="4149080"/>
-            <a:ext cx="936104" cy="0"/>
-          </a:xfrm>
-          <a:prstGeom prst="line">
-            <a:avLst/>
-          </a:prstGeom>
-          <a:ln w="139700">
+            <a:ln>
+              <a:noFill/>
+            </a:ln>
+          </p:spPr>
+          <p:style>
+            <a:lnRef idx="2">
+              <a:schemeClr val="accent1">
+                <a:shade val="50000"/>
+              </a:schemeClr>
+            </a:lnRef>
+            <a:fillRef idx="1">
+              <a:schemeClr val="accent1"/>
+            </a:fillRef>
+            <a:effectRef idx="0">
+              <a:schemeClr val="accent1"/>
+            </a:effectRef>
+            <a:fontRef idx="minor">
+              <a:schemeClr val="lt1"/>
+            </a:fontRef>
+          </p:style>
+          <p:txBody>
+            <a:bodyPr rtlCol="0" anchor="ctr"/>
+            <a:lstStyle/>
+            <a:p>
+              <a:pPr algn="ctr"/>
+              <a:endParaRPr lang="de-DE"/>
+            </a:p>
+          </p:txBody>
+        </p:sp>
+        <p:sp>
+          <p:nvSpPr>
+            <p:cNvPr id="14" name="Ellipse 13"/>
+            <p:cNvSpPr/>
+            <p:nvPr/>
+          </p:nvSpPr>
+          <p:spPr>
+            <a:xfrm>
+              <a:off x="4948240" y="2914783"/>
+              <a:ext cx="648000" cy="648000"/>
+            </a:xfrm>
+            <a:prstGeom prst="ellipse">
+              <a:avLst/>
+            </a:prstGeom>
             <a:solidFill>
-              <a:schemeClr val="tx1"/>
+              <a:schemeClr val="bg1"/>
             </a:solidFill>
-          </a:ln>
-        </p:spPr>
-        <p:style>
-          <a:lnRef idx="1">
-            <a:schemeClr val="accent1"/>
-          </a:lnRef>
-          <a:fillRef idx="0">
-            <a:schemeClr val="accent1"/>
-          </a:fillRef>
-          <a:effectRef idx="0">
-            <a:schemeClr val="accent1"/>
-          </a:effectRef>
-          <a:fontRef idx="minor">
-            <a:schemeClr val="tx1"/>
-          </a:fontRef>
-        </p:style>
-      </p:cxnSp>
-      <p:sp>
-        <p:nvSpPr>
-          <p:cNvPr id="3" name="Auf der gleichen Seite des Rechtecks liegende Ecken abrunden 2"/>
-          <p:cNvSpPr/>
-          <p:nvPr/>
-        </p:nvSpPr>
-        <p:spPr>
-          <a:xfrm>
-            <a:off x="3419872" y="2292112"/>
-            <a:ext cx="2520280" cy="1512168"/>
-          </a:xfrm>
-          <a:prstGeom prst="round2SameRect">
-            <a:avLst>
-              <a:gd name="adj1" fmla="val 31784"/>
-              <a:gd name="adj2" fmla="val 0"/>
-            </a:avLst>
-          </a:prstGeom>
-          <a:solidFill>
-            <a:schemeClr val="tx1"/>
-          </a:solidFill>
-          <a:ln>
-            <a:noFill/>
-          </a:ln>
-        </p:spPr>
-        <p:style>
-          <a:lnRef idx="2">
-            <a:schemeClr val="accent1">
-              <a:shade val="50000"/>
-            </a:schemeClr>
-          </a:lnRef>
-          <a:fillRef idx="1">
-            <a:schemeClr val="accent1"/>
-          </a:fillRef>
-          <a:effectRef idx="0">
-            <a:schemeClr val="accent1"/>
-          </a:effectRef>
-          <a:fontRef idx="minor">
-            <a:schemeClr val="lt1"/>
-          </a:fontRef>
-        </p:style>
-        <p:txBody>
-          <a:bodyPr rtlCol="0" anchor="ctr"/>
-          <a:lstStyle/>
-          <a:p>
-            <a:pPr algn="ctr"/>
-            <a:endParaRPr lang="de-DE"/>
-          </a:p>
-        </p:txBody>
-      </p:sp>
-      <p:sp>
-        <p:nvSpPr>
-          <p:cNvPr id="9" name="Ellipse 8"/>
-          <p:cNvSpPr/>
-          <p:nvPr/>
-        </p:nvSpPr>
-        <p:spPr>
-          <a:xfrm>
-            <a:off x="3765168" y="2914783"/>
-            <a:ext cx="648000" cy="648000"/>
-          </a:xfrm>
-          <a:prstGeom prst="ellipse">
-            <a:avLst/>
-          </a:prstGeom>
-          <a:solidFill>
-            <a:schemeClr val="bg1"/>
-          </a:solidFill>
-          <a:ln>
-            <a:noFill/>
-          </a:ln>
-        </p:spPr>
-        <p:style>
-          <a:lnRef idx="2">
-            <a:schemeClr val="accent1">
-              <a:shade val="50000"/>
-            </a:schemeClr>
-          </a:lnRef>
-          <a:fillRef idx="1">
-            <a:schemeClr val="accent1"/>
-          </a:fillRef>
-          <a:effectRef idx="0">
-            <a:schemeClr val="accent1"/>
-          </a:effectRef>
-          <a:fontRef idx="minor">
-            <a:schemeClr val="lt1"/>
-          </a:fontRef>
-        </p:style>
-        <p:txBody>
-          <a:bodyPr rtlCol="0" anchor="ctr"/>
-          <a:lstStyle/>
-          <a:p>
-            <a:pPr algn="ctr"/>
-            <a:endParaRPr lang="de-DE"/>
-          </a:p>
-        </p:txBody>
-      </p:sp>
-      <p:sp>
-        <p:nvSpPr>
-          <p:cNvPr id="14" name="Ellipse 13"/>
-          <p:cNvSpPr/>
-          <p:nvPr/>
-        </p:nvSpPr>
-        <p:spPr>
-          <a:xfrm>
-            <a:off x="4948240" y="2914783"/>
-            <a:ext cx="648000" cy="648000"/>
-          </a:xfrm>
-          <a:prstGeom prst="ellipse">
-            <a:avLst/>
-          </a:prstGeom>
-          <a:solidFill>
-            <a:schemeClr val="bg1"/>
-          </a:solidFill>
-          <a:ln>
-            <a:noFill/>
-          </a:ln>
-        </p:spPr>
-        <p:style>
-          <a:lnRef idx="2">
-            <a:schemeClr val="accent1">
-              <a:shade val="50000"/>
-            </a:schemeClr>
-          </a:lnRef>
-          <a:fillRef idx="1">
-            <a:schemeClr val="accent1"/>
-          </a:fillRef>
-          <a:effectRef idx="0">
-            <a:schemeClr val="accent1"/>
-          </a:effectRef>
-          <a:fontRef idx="minor">
-            <a:schemeClr val="lt1"/>
-          </a:fontRef>
-        </p:style>
-        <p:txBody>
-          <a:bodyPr rtlCol="0" anchor="ctr"/>
-          <a:lstStyle/>
-          <a:p>
-            <a:pPr algn="ctr"/>
-            <a:endParaRPr lang="de-DE"/>
-          </a:p>
-        </p:txBody>
-      </p:sp>
+            <a:ln>
+              <a:noFill/>
+            </a:ln>
+          </p:spPr>
+          <p:style>
+            <a:lnRef idx="2">
+              <a:schemeClr val="accent1">
+                <a:shade val="50000"/>
+              </a:schemeClr>
+            </a:lnRef>
+            <a:fillRef idx="1">
+              <a:schemeClr val="accent1"/>
+            </a:fillRef>
+            <a:effectRef idx="0">
+              <a:schemeClr val="accent1"/>
+            </a:effectRef>
+            <a:fontRef idx="minor">
+              <a:schemeClr val="lt1"/>
+            </a:fontRef>
+          </p:style>
+          <p:txBody>
+            <a:bodyPr rtlCol="0" anchor="ctr"/>
+            <a:lstStyle/>
+            <a:p>
+              <a:pPr algn="ctr"/>
+              <a:endParaRPr lang="de-DE"/>
+            </a:p>
+          </p:txBody>
+        </p:sp>
+      </p:grpSp>
     </p:spTree>
     <p:extLst>
       <p:ext uri="{BB962C8B-B14F-4D97-AF65-F5344CB8AC3E}">
